--- a/VendingMachine presentation.pptx
+++ b/VendingMachine presentation.pptx
@@ -7996,10 +7996,10 @@
       </p:sp>
       <p:pic>
         <p:nvPicPr>
-          <p:cNvPr id="9" name="Picture 8" descr="A picture containing text, diagram, screenshot, font&#10;&#10;Description automatically generated">
-            <a:extLst>
-              <a:ext uri="{FF2B5EF4-FFF2-40B4-BE49-F238E27FC236}">
-                <a16:creationId xmlns:a16="http://schemas.microsoft.com/office/drawing/2014/main" id="{CBDF03E2-3715-6BE7-8586-E969885C6455}"/>
+          <p:cNvPr id="4" name="Picture 3" descr="A picture containing text, diagram, screenshot, font&#10;&#10;Description automatically generated">
+            <a:extLst>
+              <a:ext uri="{FF2B5EF4-FFF2-40B4-BE49-F238E27FC236}">
+                <a16:creationId xmlns:a16="http://schemas.microsoft.com/office/drawing/2014/main" id="{04CEB30C-8D2D-F237-9241-3F510B16BE77}"/>
               </a:ext>
             </a:extLst>
           </p:cNvPr>
@@ -8022,8 +8022,8 @@
         </p:blipFill>
         <p:spPr>
           <a:xfrm>
-            <a:off x="2324432" y="2213810"/>
-            <a:ext cx="8483684" cy="3260633"/>
+            <a:off x="2180678" y="2260050"/>
+            <a:ext cx="7830643" cy="3943900"/>
           </a:xfrm>
           <a:prstGeom prst="rect">
             <a:avLst/>
